--- a/Presentacion_2022_06_30.pptx
+++ b/Presentacion_2022_06_30.pptx
@@ -9,10 +9,11 @@
     <p:sldId id="257" r:id="rId3"/>
     <p:sldId id="293" r:id="rId4"/>
     <p:sldId id="287" r:id="rId5"/>
-    <p:sldId id="294" r:id="rId6"/>
-    <p:sldId id="295" r:id="rId7"/>
-    <p:sldId id="292" r:id="rId8"/>
-    <p:sldId id="278" r:id="rId9"/>
+    <p:sldId id="295" r:id="rId6"/>
+    <p:sldId id="297" r:id="rId7"/>
+    <p:sldId id="294" r:id="rId8"/>
+    <p:sldId id="292" r:id="rId9"/>
+    <p:sldId id="278" r:id="rId10"/>
   </p:sldIdLst>
   <p:sldSz cx="12192000" cy="6858000"/>
   <p:notesSz cx="12192000" cy="6858000"/>
@@ -2080,7 +2081,7 @@
         <p:spPr>
           <a:xfrm>
             <a:off x="1828800" y="1352395"/>
-            <a:ext cx="9067800" cy="1859483"/>
+            <a:ext cx="9067800" cy="1872307"/>
           </a:xfrm>
           <a:prstGeom prst="rect">
             <a:avLst/>
@@ -2108,7 +2109,27 @@
                 <a:latin typeface="Times New Roman" panose="02020603050405020304" pitchFamily="18" charset="0"/>
                 <a:cs typeface="Times New Roman" panose="02020603050405020304" pitchFamily="18" charset="0"/>
               </a:rPr>
-              <a:t>Informe Proyecto Semestral Avance</a:t>
+              <a:t>Proyecto Semestral </a:t>
+            </a:r>
+          </a:p>
+          <a:p>
+            <a:pPr marL="12700" algn="ctr">
+              <a:lnSpc>
+                <a:spcPct val="100000"/>
+              </a:lnSpc>
+              <a:spcBef>
+                <a:spcPts val="100"/>
+              </a:spcBef>
+            </a:pPr>
+            <a:r>
+              <a:rPr lang="es-ES" sz="6000" spc="60" dirty="0">
+                <a:solidFill>
+                  <a:srgbClr val="F1F1F1"/>
+                </a:solidFill>
+                <a:latin typeface="Times New Roman" panose="02020603050405020304" pitchFamily="18" charset="0"/>
+                <a:cs typeface="Times New Roman" panose="02020603050405020304" pitchFamily="18" charset="0"/>
+              </a:rPr>
+              <a:t>Avance</a:t>
             </a:r>
             <a:endParaRPr lang="es-CL" sz="3200" dirty="0">
               <a:solidFill>
@@ -2297,7 +2318,7 @@
                 <a:latin typeface="Times New Roman" panose="02020603050405020304" pitchFamily="18" charset="0"/>
                 <a:cs typeface="Times New Roman" panose="02020603050405020304" pitchFamily="18" charset="0"/>
               </a:rPr>
-              <a:t>18/04/2022 </a:t>
+              <a:t>30/06/2022 </a:t>
             </a:r>
             <a:endParaRPr sz="2200" dirty="0">
               <a:solidFill>
@@ -3505,178 +3526,6 @@
             <a:endParaRPr sz="1200">
               <a:latin typeface="Tahoma"/>
               <a:cs typeface="Tahoma"/>
-            </a:endParaRPr>
-          </a:p>
-        </p:txBody>
-      </p:sp>
-      <p:sp>
-        <p:nvSpPr>
-          <p:cNvPr id="7" name="Rectángulo 11">
-            <a:extLst>
-              <a:ext uri="{FF2B5EF4-FFF2-40B4-BE49-F238E27FC236}">
-                <a16:creationId xmlns:a16="http://schemas.microsoft.com/office/drawing/2014/main" id="{D5E77F92-8B8D-4BB5-B4BA-A58226E19D2E}"/>
-              </a:ext>
-            </a:extLst>
-          </p:cNvPr>
-          <p:cNvSpPr>
-            <a:spLocks noChangeArrowheads="1"/>
-          </p:cNvSpPr>
-          <p:nvPr/>
-        </p:nvSpPr>
-        <p:spPr bwMode="auto">
-          <a:xfrm>
-            <a:off x="6782237" y="2700699"/>
-            <a:ext cx="866775" cy="677735"/>
-          </a:xfrm>
-          <a:prstGeom prst="rect">
-            <a:avLst/>
-          </a:prstGeom>
-          <a:solidFill>
-            <a:srgbClr val="4472C4"/>
-          </a:solidFill>
-          <a:ln w="12700">
-            <a:solidFill>
-              <a:schemeClr val="bg1"/>
-            </a:solidFill>
-            <a:miter lim="800000"/>
-            <a:headEnd/>
-            <a:tailEnd/>
-          </a:ln>
-        </p:spPr>
-        <p:txBody>
-          <a:bodyPr vert="horz" wrap="square" lIns="91440" tIns="45720" rIns="91440" bIns="45720" numCol="1" anchor="ctr" anchorCtr="0" compatLnSpc="1">
-            <a:prstTxWarp prst="textNoShape">
-              <a:avLst/>
-            </a:prstTxWarp>
-          </a:bodyPr>
-          <a:lstStyle/>
-          <a:p>
-            <a:pPr marL="0" marR="0" lvl="0" indent="0" algn="ctr" defTabSz="914400" rtl="0" eaLnBrk="0" fontAlgn="base" latinLnBrk="0" hangingPunct="0">
-              <a:lnSpc>
-                <a:spcPct val="100000"/>
-              </a:lnSpc>
-              <a:spcBef>
-                <a:spcPct val="0"/>
-              </a:spcBef>
-              <a:spcAft>
-                <a:spcPct val="0"/>
-              </a:spcAft>
-              <a:buClrTx/>
-              <a:buSzTx/>
-              <a:buFontTx/>
-              <a:buNone/>
-              <a:tabLst/>
-            </a:pPr>
-            <a:r>
-              <a:rPr kumimoji="0" lang="es-ES" altLang="es-CL" sz="1400" b="0" i="0" u="none" strike="noStrike" cap="none" normalizeH="0" baseline="0" dirty="0">
-                <a:ln>
-                  <a:noFill/>
-                </a:ln>
-                <a:solidFill>
-                  <a:srgbClr val="FFFFFF"/>
-                </a:solidFill>
-                <a:effectLst/>
-                <a:latin typeface="Arial" panose="020B0604020202020204" pitchFamily="34" charset="0"/>
-                <a:ea typeface="Calibri" panose="020F0502020204030204" pitchFamily="34" charset="0"/>
-                <a:cs typeface="Times New Roman" panose="02020603050405020304" pitchFamily="18" charset="0"/>
-              </a:rPr>
-              <a:t>Ingreso al chat</a:t>
-            </a:r>
-            <a:endParaRPr kumimoji="0" lang="es-ES" altLang="es-CL" sz="1800" b="0" i="0" u="none" strike="noStrike" cap="none" normalizeH="0" baseline="0" dirty="0">
-              <a:ln>
-                <a:noFill/>
-              </a:ln>
-              <a:solidFill>
-                <a:schemeClr val="tx1"/>
-              </a:solidFill>
-              <a:effectLst/>
-              <a:latin typeface="Arial" panose="020B0604020202020204" pitchFamily="34" charset="0"/>
-            </a:endParaRPr>
-          </a:p>
-        </p:txBody>
-      </p:sp>
-      <p:sp>
-        <p:nvSpPr>
-          <p:cNvPr id="8" name="Rectángulo 9">
-            <a:extLst>
-              <a:ext uri="{FF2B5EF4-FFF2-40B4-BE49-F238E27FC236}">
-                <a16:creationId xmlns:a16="http://schemas.microsoft.com/office/drawing/2014/main" id="{15BC29E8-083B-46ED-BC99-03C80399811D}"/>
-              </a:ext>
-            </a:extLst>
-          </p:cNvPr>
-          <p:cNvSpPr>
-            <a:spLocks noChangeArrowheads="1"/>
-          </p:cNvSpPr>
-          <p:nvPr/>
-        </p:nvSpPr>
-        <p:spPr bwMode="auto">
-          <a:xfrm>
-            <a:off x="6746915" y="3892570"/>
-            <a:ext cx="937418" cy="777136"/>
-          </a:xfrm>
-          <a:prstGeom prst="rect">
-            <a:avLst/>
-          </a:prstGeom>
-          <a:solidFill>
-            <a:srgbClr val="4472C4"/>
-          </a:solidFill>
-          <a:ln w="12700">
-            <a:solidFill>
-              <a:schemeClr val="bg1"/>
-            </a:solidFill>
-            <a:miter lim="800000"/>
-            <a:headEnd/>
-            <a:tailEnd/>
-          </a:ln>
-        </p:spPr>
-        <p:txBody>
-          <a:bodyPr vert="horz" wrap="square" lIns="91440" tIns="45720" rIns="91440" bIns="45720" numCol="1" anchor="ctr" anchorCtr="0" compatLnSpc="1">
-            <a:prstTxWarp prst="textNoShape">
-              <a:avLst/>
-            </a:prstTxWarp>
-          </a:bodyPr>
-          <a:lstStyle/>
-          <a:p>
-            <a:pPr marL="0" marR="0" lvl="0" indent="0" algn="ctr" defTabSz="914400" rtl="0" eaLnBrk="0" fontAlgn="base" latinLnBrk="0" hangingPunct="0">
-              <a:lnSpc>
-                <a:spcPct val="100000"/>
-              </a:lnSpc>
-              <a:spcBef>
-                <a:spcPct val="0"/>
-              </a:spcBef>
-              <a:spcAft>
-                <a:spcPct val="0"/>
-              </a:spcAft>
-              <a:buClrTx/>
-              <a:buSzTx/>
-              <a:buFontTx/>
-              <a:buNone/>
-              <a:tabLst/>
-            </a:pPr>
-            <a:r>
-              <a:rPr kumimoji="0" lang="es-ES" altLang="es-CL" sz="1400" b="0" i="0" u="none" strike="noStrike" cap="none" normalizeH="0" baseline="0" dirty="0">
-                <a:ln>
-                  <a:noFill/>
-                </a:ln>
-                <a:solidFill>
-                  <a:srgbClr val="FFFFFF"/>
-                </a:solidFill>
-                <a:effectLst/>
-                <a:latin typeface="Arial" panose="020B0604020202020204" pitchFamily="34" charset="0"/>
-                <a:ea typeface="Calibri" panose="020F0502020204030204" pitchFamily="34" charset="0"/>
-                <a:cs typeface="Times New Roman" panose="02020603050405020304" pitchFamily="18" charset="0"/>
-              </a:rPr>
-              <a:t>No ingreso al chat</a:t>
-            </a:r>
-            <a:endParaRPr kumimoji="0" lang="es-ES" altLang="es-CL" sz="1800" b="0" i="0" u="none" strike="noStrike" cap="none" normalizeH="0" baseline="0" dirty="0">
-              <a:ln>
-                <a:noFill/>
-              </a:ln>
-              <a:solidFill>
-                <a:schemeClr val="tx1"/>
-              </a:solidFill>
-              <a:effectLst/>
-              <a:latin typeface="Arial" panose="020B0604020202020204" pitchFamily="34" charset="0"/>
             </a:endParaRPr>
           </a:p>
         </p:txBody>
@@ -4213,639 +4062,36 @@
           </a:p>
         </p:txBody>
       </p:sp>
-      <p:sp>
-        <p:nvSpPr>
-          <p:cNvPr id="26" name="Rectángulo 9">
+      <p:pic>
+        <p:nvPicPr>
+          <p:cNvPr id="4" name="Imagen 3">
             <a:extLst>
               <a:ext uri="{FF2B5EF4-FFF2-40B4-BE49-F238E27FC236}">
-                <a16:creationId xmlns:a16="http://schemas.microsoft.com/office/drawing/2014/main" id="{8F31AF3F-3A17-4FAD-8985-9CD0B9D3B33C}"/>
+                <a16:creationId xmlns:a16="http://schemas.microsoft.com/office/drawing/2014/main" id="{BA194523-A388-445D-B415-8974E1722224}"/>
               </a:ext>
             </a:extLst>
           </p:cNvPr>
-          <p:cNvSpPr>
-            <a:spLocks noChangeArrowheads="1"/>
-          </p:cNvSpPr>
+          <p:cNvPicPr>
+            <a:picLocks noChangeAspect="1"/>
+          </p:cNvPicPr>
           <p:nvPr/>
-        </p:nvSpPr>
-        <p:spPr bwMode="auto">
-          <a:xfrm>
-            <a:off x="5272882" y="3261954"/>
-            <a:ext cx="937418" cy="777136"/>
+        </p:nvPicPr>
+        <p:blipFill>
+          <a:blip r:embed="rId2"/>
+          <a:stretch>
+            <a:fillRect/>
+          </a:stretch>
+        </p:blipFill>
+        <p:spPr>
+          <a:xfrm>
+            <a:off x="2200274" y="1705374"/>
+            <a:ext cx="7458075" cy="4359193"/>
           </a:xfrm>
           <a:prstGeom prst="rect">
             <a:avLst/>
           </a:prstGeom>
-          <a:solidFill>
-            <a:srgbClr val="4472C4"/>
-          </a:solidFill>
-          <a:ln w="12700">
-            <a:solidFill>
-              <a:schemeClr val="bg1"/>
-            </a:solidFill>
-            <a:miter lim="800000"/>
-            <a:headEnd/>
-            <a:tailEnd/>
-          </a:ln>
-        </p:spPr>
-        <p:txBody>
-          <a:bodyPr vert="horz" wrap="square" lIns="91440" tIns="45720" rIns="91440" bIns="45720" numCol="1" anchor="ctr" anchorCtr="0" compatLnSpc="1">
-            <a:prstTxWarp prst="textNoShape">
-              <a:avLst/>
-            </a:prstTxWarp>
-          </a:bodyPr>
-          <a:lstStyle/>
-          <a:p>
-            <a:pPr marL="0" marR="0" lvl="0" indent="0" algn="ctr" defTabSz="914400" rtl="0" eaLnBrk="0" fontAlgn="base" latinLnBrk="0" hangingPunct="0">
-              <a:lnSpc>
-                <a:spcPct val="100000"/>
-              </a:lnSpc>
-              <a:spcBef>
-                <a:spcPct val="0"/>
-              </a:spcBef>
-              <a:spcAft>
-                <a:spcPct val="0"/>
-              </a:spcAft>
-              <a:buClrTx/>
-              <a:buSzTx/>
-              <a:buFontTx/>
-              <a:buNone/>
-              <a:tabLst/>
-            </a:pPr>
-            <a:r>
-              <a:rPr kumimoji="0" lang="es-ES" altLang="es-CL" sz="1400" b="0" i="0" u="none" strike="noStrike" cap="none" normalizeH="0" baseline="0" dirty="0">
-                <a:ln>
-                  <a:noFill/>
-                </a:ln>
-                <a:solidFill>
-                  <a:schemeClr val="bg1"/>
-                </a:solidFill>
-                <a:effectLst/>
-                <a:latin typeface="Arial" panose="020B0604020202020204" pitchFamily="34" charset="0"/>
-                <a:ea typeface="Calibri" panose="020F0502020204030204" pitchFamily="34" charset="0"/>
-                <a:cs typeface="Times New Roman" panose="02020603050405020304" pitchFamily="18" charset="0"/>
-              </a:rPr>
-              <a:t>Registro De Usuario</a:t>
-            </a:r>
-            <a:endParaRPr kumimoji="0" lang="es-ES" altLang="es-CL" sz="1800" b="0" i="0" u="none" strike="noStrike" cap="none" normalizeH="0" baseline="0" dirty="0">
-              <a:ln>
-                <a:noFill/>
-              </a:ln>
-              <a:solidFill>
-                <a:schemeClr val="bg1"/>
-              </a:solidFill>
-              <a:effectLst/>
-              <a:latin typeface="Arial" panose="020B0604020202020204" pitchFamily="34" charset="0"/>
-            </a:endParaRPr>
-          </a:p>
-        </p:txBody>
-      </p:sp>
-      <p:sp>
-        <p:nvSpPr>
-          <p:cNvPr id="33" name="Rectángulo 9">
-            <a:extLst>
-              <a:ext uri="{FF2B5EF4-FFF2-40B4-BE49-F238E27FC236}">
-                <a16:creationId xmlns:a16="http://schemas.microsoft.com/office/drawing/2014/main" id="{9DB06CA7-4D4D-4E77-9552-4A3001522B4F}"/>
-              </a:ext>
-            </a:extLst>
-          </p:cNvPr>
-          <p:cNvSpPr>
-            <a:spLocks noChangeArrowheads="1"/>
-          </p:cNvSpPr>
-          <p:nvPr/>
-        </p:nvSpPr>
-        <p:spPr bwMode="auto">
-          <a:xfrm>
-            <a:off x="3766971" y="3261954"/>
-            <a:ext cx="937418" cy="777136"/>
-          </a:xfrm>
-          <a:prstGeom prst="rect">
-            <a:avLst/>
-          </a:prstGeom>
-          <a:solidFill>
-            <a:srgbClr val="4472C4"/>
-          </a:solidFill>
-          <a:ln w="12700">
-            <a:solidFill>
-              <a:schemeClr val="bg1"/>
-            </a:solidFill>
-            <a:miter lim="800000"/>
-            <a:headEnd/>
-            <a:tailEnd/>
-          </a:ln>
-        </p:spPr>
-        <p:txBody>
-          <a:bodyPr vert="horz" wrap="square" lIns="91440" tIns="45720" rIns="91440" bIns="45720" numCol="1" anchor="ctr" anchorCtr="0" compatLnSpc="1">
-            <a:prstTxWarp prst="textNoShape">
-              <a:avLst/>
-            </a:prstTxWarp>
-          </a:bodyPr>
-          <a:lstStyle/>
-          <a:p>
-            <a:pPr marL="0" marR="0" lvl="0" indent="0" algn="ctr" defTabSz="914400" rtl="0" eaLnBrk="0" fontAlgn="base" latinLnBrk="0" hangingPunct="0">
-              <a:lnSpc>
-                <a:spcPct val="100000"/>
-              </a:lnSpc>
-              <a:spcBef>
-                <a:spcPct val="0"/>
-              </a:spcBef>
-              <a:spcAft>
-                <a:spcPct val="0"/>
-              </a:spcAft>
-              <a:buClrTx/>
-              <a:buSzTx/>
-              <a:buFontTx/>
-              <a:buNone/>
-              <a:tabLst/>
-            </a:pPr>
-            <a:r>
-              <a:rPr kumimoji="0" lang="es-ES" altLang="es-CL" sz="1400" b="0" i="0" u="none" strike="noStrike" cap="none" normalizeH="0" baseline="0" dirty="0">
-                <a:ln>
-                  <a:noFill/>
-                </a:ln>
-                <a:solidFill>
-                  <a:schemeClr val="bg1"/>
-                </a:solidFill>
-                <a:effectLst/>
-                <a:latin typeface="Arial" panose="020B0604020202020204" pitchFamily="34" charset="0"/>
-                <a:ea typeface="Calibri" panose="020F0502020204030204" pitchFamily="34" charset="0"/>
-                <a:cs typeface="Times New Roman" panose="02020603050405020304" pitchFamily="18" charset="0"/>
-              </a:rPr>
-              <a:t>Conexión</a:t>
-            </a:r>
-            <a:endParaRPr kumimoji="0" lang="es-ES" altLang="es-CL" sz="1800" b="0" i="0" u="none" strike="noStrike" cap="none" normalizeH="0" baseline="0" dirty="0">
-              <a:ln>
-                <a:noFill/>
-              </a:ln>
-              <a:solidFill>
-                <a:schemeClr val="bg1"/>
-              </a:solidFill>
-              <a:effectLst/>
-              <a:latin typeface="Arial" panose="020B0604020202020204" pitchFamily="34" charset="0"/>
-            </a:endParaRPr>
-          </a:p>
-        </p:txBody>
-      </p:sp>
-      <p:sp>
-        <p:nvSpPr>
-          <p:cNvPr id="34" name="Rectángulo 9">
-            <a:extLst>
-              <a:ext uri="{FF2B5EF4-FFF2-40B4-BE49-F238E27FC236}">
-                <a16:creationId xmlns:a16="http://schemas.microsoft.com/office/drawing/2014/main" id="{EA429E4C-20DD-42D2-86B1-A6D9DB3B35F6}"/>
-              </a:ext>
-            </a:extLst>
-          </p:cNvPr>
-          <p:cNvSpPr>
-            <a:spLocks noChangeArrowheads="1"/>
-          </p:cNvSpPr>
-          <p:nvPr/>
-        </p:nvSpPr>
-        <p:spPr bwMode="auto">
-          <a:xfrm>
-            <a:off x="2277103" y="3261954"/>
-            <a:ext cx="937418" cy="777136"/>
-          </a:xfrm>
-          <a:prstGeom prst="rect">
-            <a:avLst/>
-          </a:prstGeom>
-          <a:solidFill>
-            <a:srgbClr val="4472C4"/>
-          </a:solidFill>
-          <a:ln w="12700">
-            <a:solidFill>
-              <a:schemeClr val="bg1"/>
-            </a:solidFill>
-            <a:miter lim="800000"/>
-            <a:headEnd/>
-            <a:tailEnd/>
-          </a:ln>
-        </p:spPr>
-        <p:txBody>
-          <a:bodyPr vert="horz" wrap="square" lIns="91440" tIns="45720" rIns="91440" bIns="45720" numCol="1" anchor="ctr" anchorCtr="0" compatLnSpc="1">
-            <a:prstTxWarp prst="textNoShape">
-              <a:avLst/>
-            </a:prstTxWarp>
-          </a:bodyPr>
-          <a:lstStyle/>
-          <a:p>
-            <a:pPr marL="0" marR="0" lvl="0" indent="0" algn="ctr" defTabSz="914400" rtl="0" eaLnBrk="0" fontAlgn="base" latinLnBrk="0" hangingPunct="0">
-              <a:lnSpc>
-                <a:spcPct val="100000"/>
-              </a:lnSpc>
-              <a:spcBef>
-                <a:spcPct val="0"/>
-              </a:spcBef>
-              <a:spcAft>
-                <a:spcPct val="0"/>
-              </a:spcAft>
-              <a:buClrTx/>
-              <a:buSzTx/>
-              <a:buFontTx/>
-              <a:buNone/>
-              <a:tabLst/>
-            </a:pPr>
-            <a:r>
-              <a:rPr kumimoji="0" lang="es-ES" altLang="es-CL" sz="1400" b="0" i="0" u="none" strike="noStrike" cap="none" normalizeH="0" baseline="0" dirty="0">
-                <a:ln>
-                  <a:noFill/>
-                </a:ln>
-                <a:solidFill>
-                  <a:schemeClr val="bg1"/>
-                </a:solidFill>
-                <a:effectLst/>
-                <a:latin typeface="Arial" panose="020B0604020202020204" pitchFamily="34" charset="0"/>
-                <a:ea typeface="Calibri" panose="020F0502020204030204" pitchFamily="34" charset="0"/>
-                <a:cs typeface="Times New Roman" panose="02020603050405020304" pitchFamily="18" charset="0"/>
-              </a:rPr>
-              <a:t>Servidor</a:t>
-            </a:r>
-            <a:endParaRPr kumimoji="0" lang="es-ES" altLang="es-CL" sz="1800" b="0" i="0" u="none" strike="noStrike" cap="none" normalizeH="0" baseline="0" dirty="0">
-              <a:ln>
-                <a:noFill/>
-              </a:ln>
-              <a:solidFill>
-                <a:schemeClr val="bg1"/>
-              </a:solidFill>
-              <a:effectLst/>
-              <a:latin typeface="Arial" panose="020B0604020202020204" pitchFamily="34" charset="0"/>
-            </a:endParaRPr>
-          </a:p>
-        </p:txBody>
-      </p:sp>
-      <p:sp>
-        <p:nvSpPr>
-          <p:cNvPr id="35" name="Rectángulo 9">
-            <a:extLst>
-              <a:ext uri="{FF2B5EF4-FFF2-40B4-BE49-F238E27FC236}">
-                <a16:creationId xmlns:a16="http://schemas.microsoft.com/office/drawing/2014/main" id="{5422564B-5B79-4160-9172-7C6F912B44F2}"/>
-              </a:ext>
-            </a:extLst>
-          </p:cNvPr>
-          <p:cNvSpPr>
-            <a:spLocks noChangeArrowheads="1"/>
-          </p:cNvSpPr>
-          <p:nvPr/>
-        </p:nvSpPr>
-        <p:spPr bwMode="auto">
-          <a:xfrm>
-            <a:off x="883841" y="3261995"/>
-            <a:ext cx="937418" cy="777136"/>
-          </a:xfrm>
-          <a:prstGeom prst="rect">
-            <a:avLst/>
-          </a:prstGeom>
-          <a:solidFill>
-            <a:srgbClr val="4472C4"/>
-          </a:solidFill>
-          <a:ln w="12700">
-            <a:solidFill>
-              <a:schemeClr val="bg1"/>
-            </a:solidFill>
-            <a:miter lim="800000"/>
-            <a:headEnd/>
-            <a:tailEnd/>
-          </a:ln>
-        </p:spPr>
-        <p:txBody>
-          <a:bodyPr vert="horz" wrap="square" lIns="91440" tIns="45720" rIns="91440" bIns="45720" numCol="1" anchor="ctr" anchorCtr="0" compatLnSpc="1">
-            <a:prstTxWarp prst="textNoShape">
-              <a:avLst/>
-            </a:prstTxWarp>
-          </a:bodyPr>
-          <a:lstStyle/>
-          <a:p>
-            <a:pPr marL="0" marR="0" lvl="0" indent="0" algn="ctr" defTabSz="914400" rtl="0" eaLnBrk="0" fontAlgn="base" latinLnBrk="0" hangingPunct="0">
-              <a:lnSpc>
-                <a:spcPct val="100000"/>
-              </a:lnSpc>
-              <a:spcBef>
-                <a:spcPct val="0"/>
-              </a:spcBef>
-              <a:spcAft>
-                <a:spcPct val="0"/>
-              </a:spcAft>
-              <a:buClrTx/>
-              <a:buSzTx/>
-              <a:buFontTx/>
-              <a:buNone/>
-              <a:tabLst/>
-            </a:pPr>
-            <a:r>
-              <a:rPr kumimoji="0" lang="es-ES" altLang="es-CL" sz="1400" b="0" i="0" u="none" strike="noStrike" cap="none" normalizeH="0" baseline="0" dirty="0">
-                <a:ln>
-                  <a:noFill/>
-                </a:ln>
-                <a:solidFill>
-                  <a:schemeClr val="bg1"/>
-                </a:solidFill>
-                <a:effectLst/>
-                <a:latin typeface="Arial" panose="020B0604020202020204" pitchFamily="34" charset="0"/>
-                <a:ea typeface="Calibri" panose="020F0502020204030204" pitchFamily="34" charset="0"/>
-                <a:cs typeface="Times New Roman" panose="02020603050405020304" pitchFamily="18" charset="0"/>
-              </a:rPr>
-              <a:t>Cliente</a:t>
-            </a:r>
-            <a:endParaRPr kumimoji="0" lang="es-ES" altLang="es-CL" sz="1800" b="0" i="0" u="none" strike="noStrike" cap="none" normalizeH="0" baseline="0" dirty="0">
-              <a:ln>
-                <a:noFill/>
-              </a:ln>
-              <a:solidFill>
-                <a:schemeClr val="bg1"/>
-              </a:solidFill>
-              <a:effectLst/>
-              <a:latin typeface="Arial" panose="020B0604020202020204" pitchFamily="34" charset="0"/>
-            </a:endParaRPr>
-          </a:p>
-        </p:txBody>
-      </p:sp>
-      <p:cxnSp>
-        <p:nvCxnSpPr>
-          <p:cNvPr id="37" name="Conector recto de flecha 36">
-            <a:extLst>
-              <a:ext uri="{FF2B5EF4-FFF2-40B4-BE49-F238E27FC236}">
-                <a16:creationId xmlns:a16="http://schemas.microsoft.com/office/drawing/2014/main" id="{3AE5BF68-24D0-40F5-960A-DE1932CBF4AE}"/>
-              </a:ext>
-            </a:extLst>
-          </p:cNvPr>
-          <p:cNvCxnSpPr>
-            <a:stCxn id="35" idx="3"/>
-            <a:endCxn id="34" idx="1"/>
-          </p:cNvCxnSpPr>
-          <p:nvPr/>
-        </p:nvCxnSpPr>
-        <p:spPr>
-          <a:xfrm flipV="1">
-            <a:off x="1821259" y="3650522"/>
-            <a:ext cx="455844" cy="41"/>
-          </a:xfrm>
-          <a:prstGeom prst="straightConnector1">
-            <a:avLst/>
-          </a:prstGeom>
-          <a:ln>
-            <a:tailEnd type="triangle"/>
-          </a:ln>
-        </p:spPr>
-        <p:style>
-          <a:lnRef idx="1">
-            <a:schemeClr val="accent1"/>
-          </a:lnRef>
-          <a:fillRef idx="0">
-            <a:schemeClr val="accent1"/>
-          </a:fillRef>
-          <a:effectRef idx="0">
-            <a:schemeClr val="accent1"/>
-          </a:effectRef>
-          <a:fontRef idx="minor">
-            <a:schemeClr val="tx1"/>
-          </a:fontRef>
-        </p:style>
-      </p:cxnSp>
-      <p:cxnSp>
-        <p:nvCxnSpPr>
-          <p:cNvPr id="39" name="Conector recto de flecha 38">
-            <a:extLst>
-              <a:ext uri="{FF2B5EF4-FFF2-40B4-BE49-F238E27FC236}">
-                <a16:creationId xmlns:a16="http://schemas.microsoft.com/office/drawing/2014/main" id="{10F926E4-B2B6-4893-A282-192FD0648371}"/>
-              </a:ext>
-            </a:extLst>
-          </p:cNvPr>
-          <p:cNvCxnSpPr>
-            <a:stCxn id="34" idx="3"/>
-            <a:endCxn id="33" idx="1"/>
-          </p:cNvCxnSpPr>
-          <p:nvPr/>
-        </p:nvCxnSpPr>
-        <p:spPr>
-          <a:xfrm>
-            <a:off x="3214521" y="3650522"/>
-            <a:ext cx="552450" cy="0"/>
-          </a:xfrm>
-          <a:prstGeom prst="straightConnector1">
-            <a:avLst/>
-          </a:prstGeom>
-          <a:ln>
-            <a:tailEnd type="triangle"/>
-          </a:ln>
-        </p:spPr>
-        <p:style>
-          <a:lnRef idx="1">
-            <a:schemeClr val="accent1"/>
-          </a:lnRef>
-          <a:fillRef idx="0">
-            <a:schemeClr val="accent1"/>
-          </a:fillRef>
-          <a:effectRef idx="0">
-            <a:schemeClr val="accent1"/>
-          </a:effectRef>
-          <a:fontRef idx="minor">
-            <a:schemeClr val="tx1"/>
-          </a:fontRef>
-        </p:style>
-      </p:cxnSp>
-      <p:cxnSp>
-        <p:nvCxnSpPr>
-          <p:cNvPr id="43" name="Conector recto de flecha 42">
-            <a:extLst>
-              <a:ext uri="{FF2B5EF4-FFF2-40B4-BE49-F238E27FC236}">
-                <a16:creationId xmlns:a16="http://schemas.microsoft.com/office/drawing/2014/main" id="{CA1FFA29-8CAA-4A8E-AEA3-8B93179E9D74}"/>
-              </a:ext>
-            </a:extLst>
-          </p:cNvPr>
-          <p:cNvCxnSpPr>
-            <a:stCxn id="33" idx="3"/>
-            <a:endCxn id="26" idx="1"/>
-          </p:cNvCxnSpPr>
-          <p:nvPr/>
-        </p:nvCxnSpPr>
-        <p:spPr>
-          <a:xfrm>
-            <a:off x="4704389" y="3650522"/>
-            <a:ext cx="568493" cy="0"/>
-          </a:xfrm>
-          <a:prstGeom prst="straightConnector1">
-            <a:avLst/>
-          </a:prstGeom>
-          <a:ln>
-            <a:tailEnd type="triangle"/>
-          </a:ln>
-        </p:spPr>
-        <p:style>
-          <a:lnRef idx="1">
-            <a:schemeClr val="accent1"/>
-          </a:lnRef>
-          <a:fillRef idx="0">
-            <a:schemeClr val="accent1"/>
-          </a:fillRef>
-          <a:effectRef idx="0">
-            <a:schemeClr val="accent1"/>
-          </a:effectRef>
-          <a:fontRef idx="minor">
-            <a:schemeClr val="tx1"/>
-          </a:fontRef>
-        </p:style>
-      </p:cxnSp>
-      <p:cxnSp>
-        <p:nvCxnSpPr>
-          <p:cNvPr id="45" name="Conector recto de flecha 44">
-            <a:extLst>
-              <a:ext uri="{FF2B5EF4-FFF2-40B4-BE49-F238E27FC236}">
-                <a16:creationId xmlns:a16="http://schemas.microsoft.com/office/drawing/2014/main" id="{FC3E9CF0-88BD-464E-BB17-1F3A13CFA359}"/>
-              </a:ext>
-            </a:extLst>
-          </p:cNvPr>
-          <p:cNvCxnSpPr>
-            <a:stCxn id="26" idx="3"/>
-            <a:endCxn id="7" idx="1"/>
-          </p:cNvCxnSpPr>
-          <p:nvPr/>
-        </p:nvCxnSpPr>
-        <p:spPr>
-          <a:xfrm flipV="1">
-            <a:off x="6210300" y="3039567"/>
-            <a:ext cx="571937" cy="610955"/>
-          </a:xfrm>
-          <a:prstGeom prst="straightConnector1">
-            <a:avLst/>
-          </a:prstGeom>
-          <a:ln>
-            <a:tailEnd type="triangle"/>
-          </a:ln>
-        </p:spPr>
-        <p:style>
-          <a:lnRef idx="1">
-            <a:schemeClr val="accent1"/>
-          </a:lnRef>
-          <a:fillRef idx="0">
-            <a:schemeClr val="accent1"/>
-          </a:fillRef>
-          <a:effectRef idx="0">
-            <a:schemeClr val="accent1"/>
-          </a:effectRef>
-          <a:fontRef idx="minor">
-            <a:schemeClr val="tx1"/>
-          </a:fontRef>
-        </p:style>
-      </p:cxnSp>
-      <p:cxnSp>
-        <p:nvCxnSpPr>
-          <p:cNvPr id="47" name="Conector recto de flecha 46">
-            <a:extLst>
-              <a:ext uri="{FF2B5EF4-FFF2-40B4-BE49-F238E27FC236}">
-                <a16:creationId xmlns:a16="http://schemas.microsoft.com/office/drawing/2014/main" id="{39649E95-69FB-4369-9DB7-7166056A5C0F}"/>
-              </a:ext>
-            </a:extLst>
-          </p:cNvPr>
-          <p:cNvCxnSpPr>
-            <a:stCxn id="26" idx="3"/>
-            <a:endCxn id="8" idx="1"/>
-          </p:cNvCxnSpPr>
-          <p:nvPr/>
-        </p:nvCxnSpPr>
-        <p:spPr>
-          <a:xfrm>
-            <a:off x="6210300" y="3650522"/>
-            <a:ext cx="536615" cy="630616"/>
-          </a:xfrm>
-          <a:prstGeom prst="straightConnector1">
-            <a:avLst/>
-          </a:prstGeom>
-          <a:ln>
-            <a:tailEnd type="triangle"/>
-          </a:ln>
-        </p:spPr>
-        <p:style>
-          <a:lnRef idx="1">
-            <a:schemeClr val="accent1"/>
-          </a:lnRef>
-          <a:fillRef idx="0">
-            <a:schemeClr val="accent1"/>
-          </a:fillRef>
-          <a:effectRef idx="0">
-            <a:schemeClr val="accent1"/>
-          </a:effectRef>
-          <a:fontRef idx="minor">
-            <a:schemeClr val="tx1"/>
-          </a:fontRef>
-        </p:style>
-      </p:cxnSp>
-      <p:cxnSp>
-        <p:nvCxnSpPr>
-          <p:cNvPr id="49" name="Conector recto 48">
-            <a:extLst>
-              <a:ext uri="{FF2B5EF4-FFF2-40B4-BE49-F238E27FC236}">
-                <a16:creationId xmlns:a16="http://schemas.microsoft.com/office/drawing/2014/main" id="{BD9F1F1A-CEF2-47CC-8ADB-13C17AD46FBC}"/>
-              </a:ext>
-            </a:extLst>
-          </p:cNvPr>
-          <p:cNvCxnSpPr>
-            <a:stCxn id="8" idx="1"/>
-          </p:cNvCxnSpPr>
-          <p:nvPr/>
-        </p:nvCxnSpPr>
-        <p:spPr>
-          <a:xfrm flipH="1">
-            <a:off x="5741591" y="4281138"/>
-            <a:ext cx="1005324" cy="0"/>
-          </a:xfrm>
-          <a:prstGeom prst="line">
-            <a:avLst/>
-          </a:prstGeom>
-        </p:spPr>
-        <p:style>
-          <a:lnRef idx="1">
-            <a:schemeClr val="accent1"/>
-          </a:lnRef>
-          <a:fillRef idx="0">
-            <a:schemeClr val="accent1"/>
-          </a:fillRef>
-          <a:effectRef idx="0">
-            <a:schemeClr val="accent1"/>
-          </a:effectRef>
-          <a:fontRef idx="minor">
-            <a:schemeClr val="tx1"/>
-          </a:fontRef>
-        </p:style>
-      </p:cxnSp>
-      <p:cxnSp>
-        <p:nvCxnSpPr>
-          <p:cNvPr id="51" name="Conector recto de flecha 50">
-            <a:extLst>
-              <a:ext uri="{FF2B5EF4-FFF2-40B4-BE49-F238E27FC236}">
-                <a16:creationId xmlns:a16="http://schemas.microsoft.com/office/drawing/2014/main" id="{C6FCDBF4-4CFC-4EA2-92A6-DA53ED0D1B37}"/>
-              </a:ext>
-            </a:extLst>
-          </p:cNvPr>
-          <p:cNvCxnSpPr>
-            <a:endCxn id="26" idx="2"/>
-          </p:cNvCxnSpPr>
-          <p:nvPr/>
-        </p:nvCxnSpPr>
-        <p:spPr>
-          <a:xfrm flipV="1">
-            <a:off x="5741591" y="4039090"/>
-            <a:ext cx="0" cy="242048"/>
-          </a:xfrm>
-          <a:prstGeom prst="straightConnector1">
-            <a:avLst/>
-          </a:prstGeom>
-          <a:ln>
-            <a:tailEnd type="triangle"/>
-          </a:ln>
-        </p:spPr>
-        <p:style>
-          <a:lnRef idx="1">
-            <a:schemeClr val="accent1"/>
-          </a:lnRef>
-          <a:fillRef idx="0">
-            <a:schemeClr val="accent1"/>
-          </a:fillRef>
-          <a:effectRef idx="0">
-            <a:schemeClr val="accent1"/>
-          </a:effectRef>
-          <a:fontRef idx="minor">
-            <a:schemeClr val="tx1"/>
-          </a:fontRef>
-        </p:style>
-      </p:cxnSp>
+        </p:spPr>
+      </p:pic>
     </p:spTree>
     <p:extLst>
       <p:ext uri="{BB962C8B-B14F-4D97-AF65-F5344CB8AC3E}">
@@ -4881,6 +4127,233 @@
           <p:cNvPr id="2" name="Titel 1">
             <a:extLst>
               <a:ext uri="{FF2B5EF4-FFF2-40B4-BE49-F238E27FC236}">
+                <a16:creationId xmlns:a16="http://schemas.microsoft.com/office/drawing/2014/main" id="{DBC39896-A229-7DC3-ED7D-471B504A57B7}"/>
+              </a:ext>
+            </a:extLst>
+          </p:cNvPr>
+          <p:cNvSpPr>
+            <a:spLocks noGrp="1"/>
+          </p:cNvSpPr>
+          <p:nvPr>
+            <p:ph type="title"/>
+          </p:nvPr>
+        </p:nvSpPr>
+        <p:spPr>
+          <a:xfrm>
+            <a:off x="959002" y="48260"/>
+            <a:ext cx="10273995" cy="615553"/>
+          </a:xfrm>
+        </p:spPr>
+        <p:txBody>
+          <a:bodyPr/>
+          <a:lstStyle/>
+          <a:p>
+            <a:r>
+              <a:rPr lang="es-ES" sz="4000" dirty="0">
+                <a:latin typeface="Times New Roman" panose="02020603050405020304" pitchFamily="18" charset="0"/>
+                <a:cs typeface="Times New Roman" panose="02020603050405020304" pitchFamily="18" charset="0"/>
+              </a:rPr>
+              <a:t>Situación actual - Lo que queda por hacer</a:t>
+            </a:r>
+            <a:endParaRPr lang="de-DE" dirty="0"/>
+          </a:p>
+        </p:txBody>
+      </p:sp>
+      <p:sp>
+        <p:nvSpPr>
+          <p:cNvPr id="3" name="Textplatzhalter 2">
+            <a:extLst>
+              <a:ext uri="{FF2B5EF4-FFF2-40B4-BE49-F238E27FC236}">
+                <a16:creationId xmlns:a16="http://schemas.microsoft.com/office/drawing/2014/main" id="{CC570786-0875-3C54-CB36-EA1FA694BA5B}"/>
+              </a:ext>
+            </a:extLst>
+          </p:cNvPr>
+          <p:cNvSpPr>
+            <a:spLocks noGrp="1"/>
+          </p:cNvSpPr>
+          <p:nvPr>
+            <p:ph type="body" idx="1"/>
+          </p:nvPr>
+        </p:nvSpPr>
+        <p:spPr>
+          <a:xfrm>
+            <a:off x="989762" y="2079246"/>
+            <a:ext cx="4830979" cy="3886200"/>
+          </a:xfrm>
+        </p:spPr>
+        <p:txBody>
+          <a:bodyPr/>
+          <a:lstStyle/>
+          <a:p>
+            <a:r>
+              <a:rPr lang="es-ES" sz="3000" dirty="0">
+                <a:solidFill>
+                  <a:schemeClr val="tx1"/>
+                </a:solidFill>
+              </a:rPr>
+              <a:t>Crear pruebas de rendimiento y efectuarlas para poder comprobar la seguridad, velocidad y usabilidad, aparte de hacer una mejora en la interfaz de usuario</a:t>
+            </a:r>
+          </a:p>
+        </p:txBody>
+      </p:sp>
+      <p:pic>
+        <p:nvPicPr>
+          <p:cNvPr id="1026" name="Picture 2" descr="Ventajas y desventajas de los servidores web dedicados - WireNet Chile">
+            <a:extLst>
+              <a:ext uri="{FF2B5EF4-FFF2-40B4-BE49-F238E27FC236}">
+                <a16:creationId xmlns:a16="http://schemas.microsoft.com/office/drawing/2014/main" id="{9CC95CF4-246A-4968-A79E-6494EA3934BF}"/>
+              </a:ext>
+            </a:extLst>
+          </p:cNvPr>
+          <p:cNvPicPr>
+            <a:picLocks noChangeAspect="1" noChangeArrowheads="1"/>
+          </p:cNvPicPr>
+          <p:nvPr/>
+        </p:nvPicPr>
+        <p:blipFill>
+          <a:blip r:embed="rId2">
+            <a:extLst>
+              <a:ext uri="{28A0092B-C50C-407E-A947-70E740481C1C}">
+                <a14:useLocalDpi xmlns:a14="http://schemas.microsoft.com/office/drawing/2010/main" val="0"/>
+              </a:ext>
+            </a:extLst>
+          </a:blip>
+          <a:srcRect/>
+          <a:stretch>
+            <a:fillRect/>
+          </a:stretch>
+        </p:blipFill>
+        <p:spPr bwMode="auto">
+          <a:xfrm>
+            <a:off x="6096000" y="2076450"/>
+            <a:ext cx="5201355" cy="3829050"/>
+          </a:xfrm>
+          <a:prstGeom prst="rect">
+            <a:avLst/>
+          </a:prstGeom>
+          <a:noFill/>
+          <a:extLst>
+            <a:ext uri="{909E8E84-426E-40DD-AFC4-6F175D3DCCD1}">
+              <a14:hiddenFill xmlns:a14="http://schemas.microsoft.com/office/drawing/2010/main">
+                <a:solidFill>
+                  <a:srgbClr val="FFFFFF"/>
+                </a:solidFill>
+              </a14:hiddenFill>
+            </a:ext>
+          </a:extLst>
+        </p:spPr>
+      </p:pic>
+    </p:spTree>
+    <p:extLst>
+      <p:ext uri="{BB962C8B-B14F-4D97-AF65-F5344CB8AC3E}">
+        <p14:creationId xmlns:p14="http://schemas.microsoft.com/office/powerpoint/2010/main" val="59583048"/>
+      </p:ext>
+    </p:extLst>
+  </p:cSld>
+  <p:clrMapOvr>
+    <a:masterClrMapping/>
+  </p:clrMapOvr>
+</p:sld>
+</file>
+
+<file path=ppt/slides/slide6.xml><?xml version="1.0" encoding="utf-8"?>
+<p:sld xmlns:a="http://schemas.openxmlformats.org/drawingml/2006/main" xmlns:r="http://schemas.openxmlformats.org/officeDocument/2006/relationships" xmlns:p="http://schemas.openxmlformats.org/presentationml/2006/main">
+  <p:cSld>
+    <p:spTree>
+      <p:nvGrpSpPr>
+        <p:cNvPr id="1" name=""/>
+        <p:cNvGrpSpPr/>
+        <p:nvPr/>
+      </p:nvGrpSpPr>
+      <p:grpSpPr>
+        <a:xfrm>
+          <a:off x="0" y="0"/>
+          <a:ext cx="0" cy="0"/>
+          <a:chOff x="0" y="0"/>
+          <a:chExt cx="0" cy="0"/>
+        </a:xfrm>
+      </p:grpSpPr>
+      <p:sp>
+        <p:nvSpPr>
+          <p:cNvPr id="2" name="object 2"/>
+          <p:cNvSpPr txBox="1"/>
+          <p:nvPr/>
+        </p:nvSpPr>
+        <p:spPr>
+          <a:xfrm>
+            <a:off x="3657600" y="2667000"/>
+            <a:ext cx="9677400" cy="936154"/>
+          </a:xfrm>
+          <a:prstGeom prst="rect">
+            <a:avLst/>
+          </a:prstGeom>
+        </p:spPr>
+        <p:txBody>
+          <a:bodyPr vert="horz" wrap="square" lIns="0" tIns="12700" rIns="0" bIns="0" rtlCol="0">
+            <a:spAutoFit/>
+          </a:bodyPr>
+          <a:lstStyle/>
+          <a:p>
+            <a:pPr marL="12700">
+              <a:lnSpc>
+                <a:spcPct val="100000"/>
+              </a:lnSpc>
+              <a:spcBef>
+                <a:spcPts val="100"/>
+              </a:spcBef>
+            </a:pPr>
+            <a:r>
+              <a:rPr lang="es-CL" sz="6000" spc="60" dirty="0">
+                <a:solidFill>
+                  <a:srgbClr val="F1F1F1"/>
+                </a:solidFill>
+                <a:latin typeface="Times New Roman" panose="02020603050405020304" pitchFamily="18" charset="0"/>
+                <a:cs typeface="Times New Roman" panose="02020603050405020304" pitchFamily="18" charset="0"/>
+              </a:rPr>
+              <a:t>Muestra de chat</a:t>
+            </a:r>
+            <a:endParaRPr sz="6000" dirty="0">
+              <a:latin typeface="Times New Roman" panose="02020603050405020304" pitchFamily="18" charset="0"/>
+              <a:cs typeface="Times New Roman" panose="02020603050405020304" pitchFamily="18" charset="0"/>
+            </a:endParaRPr>
+          </a:p>
+        </p:txBody>
+      </p:sp>
+    </p:spTree>
+    <p:extLst>
+      <p:ext uri="{BB962C8B-B14F-4D97-AF65-F5344CB8AC3E}">
+        <p14:creationId xmlns:p14="http://schemas.microsoft.com/office/powerpoint/2010/main" val="3901825574"/>
+      </p:ext>
+    </p:extLst>
+  </p:cSld>
+  <p:clrMapOvr>
+    <a:masterClrMapping/>
+  </p:clrMapOvr>
+</p:sld>
+</file>
+
+<file path=ppt/slides/slide7.xml><?xml version="1.0" encoding="utf-8"?>
+<p:sld xmlns:a="http://schemas.openxmlformats.org/drawingml/2006/main" xmlns:r="http://schemas.openxmlformats.org/officeDocument/2006/relationships" xmlns:p="http://schemas.openxmlformats.org/presentationml/2006/main">
+  <p:cSld>
+    <p:spTree>
+      <p:nvGrpSpPr>
+        <p:cNvPr id="1" name=""/>
+        <p:cNvGrpSpPr/>
+        <p:nvPr/>
+      </p:nvGrpSpPr>
+      <p:grpSpPr>
+        <a:xfrm>
+          <a:off x="0" y="0"/>
+          <a:ext cx="0" cy="0"/>
+          <a:chOff x="0" y="0"/>
+          <a:chExt cx="0" cy="0"/>
+        </a:xfrm>
+      </p:grpSpPr>
+      <p:sp>
+        <p:nvSpPr>
+          <p:cNvPr id="2" name="Titel 1">
+            <a:extLst>
+              <a:ext uri="{FF2B5EF4-FFF2-40B4-BE49-F238E27FC236}">
                 <a16:creationId xmlns:a16="http://schemas.microsoft.com/office/drawing/2014/main" id="{8A054C50-7578-1783-8275-19380D034D57}"/>
               </a:ext>
             </a:extLst>
@@ -4954,8 +4427,8 @@
         </p:blipFill>
         <p:spPr>
           <a:xfrm>
-            <a:off x="0" y="51314"/>
-            <a:ext cx="12192000" cy="6755372"/>
+            <a:off x="0" y="0"/>
+            <a:ext cx="12192000" cy="6858000"/>
           </a:xfrm>
           <a:prstGeom prst="rect">
             <a:avLst/>
@@ -5235,320 +4708,7 @@
 </p:sld>
 </file>
 
-<file path=ppt/slides/slide6.xml><?xml version="1.0" encoding="utf-8"?>
-<p:sld xmlns:a="http://schemas.openxmlformats.org/drawingml/2006/main" xmlns:r="http://schemas.openxmlformats.org/officeDocument/2006/relationships" xmlns:p="http://schemas.openxmlformats.org/presentationml/2006/main">
-  <p:cSld>
-    <p:spTree>
-      <p:nvGrpSpPr>
-        <p:cNvPr id="1" name=""/>
-        <p:cNvGrpSpPr/>
-        <p:nvPr/>
-      </p:nvGrpSpPr>
-      <p:grpSpPr>
-        <a:xfrm>
-          <a:off x="0" y="0"/>
-          <a:ext cx="0" cy="0"/>
-          <a:chOff x="0" y="0"/>
-          <a:chExt cx="0" cy="0"/>
-        </a:xfrm>
-      </p:grpSpPr>
-      <p:sp>
-        <p:nvSpPr>
-          <p:cNvPr id="2" name="Titel 1">
-            <a:extLst>
-              <a:ext uri="{FF2B5EF4-FFF2-40B4-BE49-F238E27FC236}">
-                <a16:creationId xmlns:a16="http://schemas.microsoft.com/office/drawing/2014/main" id="{DBC39896-A229-7DC3-ED7D-471B504A57B7}"/>
-              </a:ext>
-            </a:extLst>
-          </p:cNvPr>
-          <p:cNvSpPr>
-            <a:spLocks noGrp="1"/>
-          </p:cNvSpPr>
-          <p:nvPr>
-            <p:ph type="title"/>
-          </p:nvPr>
-        </p:nvSpPr>
-        <p:spPr>
-          <a:xfrm>
-            <a:off x="959002" y="48260"/>
-            <a:ext cx="10273995" cy="615553"/>
-          </a:xfrm>
-        </p:spPr>
-        <p:txBody>
-          <a:bodyPr/>
-          <a:lstStyle/>
-          <a:p>
-            <a:r>
-              <a:rPr lang="es-ES" sz="4000" dirty="0">
-                <a:latin typeface="Times New Roman" panose="02020603050405020304" pitchFamily="18" charset="0"/>
-                <a:cs typeface="Times New Roman" panose="02020603050405020304" pitchFamily="18" charset="0"/>
-              </a:rPr>
-              <a:t>Situación actual - Lo que queda por hacer</a:t>
-            </a:r>
-            <a:endParaRPr lang="de-DE" dirty="0"/>
-          </a:p>
-        </p:txBody>
-      </p:sp>
-      <p:sp>
-        <p:nvSpPr>
-          <p:cNvPr id="3" name="Textplatzhalter 2">
-            <a:extLst>
-              <a:ext uri="{FF2B5EF4-FFF2-40B4-BE49-F238E27FC236}">
-                <a16:creationId xmlns:a16="http://schemas.microsoft.com/office/drawing/2014/main" id="{CC570786-0875-3C54-CB36-EA1FA694BA5B}"/>
-              </a:ext>
-            </a:extLst>
-          </p:cNvPr>
-          <p:cNvSpPr>
-            <a:spLocks noGrp="1"/>
-          </p:cNvSpPr>
-          <p:nvPr>
-            <p:ph type="body" idx="1"/>
-          </p:nvPr>
-        </p:nvSpPr>
-        <p:spPr>
-          <a:xfrm>
-            <a:off x="426821" y="2276347"/>
-            <a:ext cx="11338356" cy="3231654"/>
-          </a:xfrm>
-        </p:spPr>
-        <p:txBody>
-          <a:bodyPr/>
-          <a:lstStyle/>
-          <a:p>
-            <a:r>
-              <a:rPr lang="de-DE" dirty="0" err="1">
-                <a:solidFill>
-                  <a:schemeClr val="tx1"/>
-                </a:solidFill>
-              </a:rPr>
-              <a:t>Crear</a:t>
-            </a:r>
-            <a:r>
-              <a:rPr lang="de-DE" dirty="0">
-                <a:solidFill>
-                  <a:schemeClr val="tx1"/>
-                </a:solidFill>
-              </a:rPr>
-              <a:t> </a:t>
-            </a:r>
-            <a:r>
-              <a:rPr lang="de-DE" dirty="0" err="1">
-                <a:solidFill>
-                  <a:schemeClr val="tx1"/>
-                </a:solidFill>
-              </a:rPr>
-              <a:t>tests</a:t>
-            </a:r>
-            <a:r>
-              <a:rPr lang="de-DE" dirty="0">
-                <a:solidFill>
-                  <a:schemeClr val="tx1"/>
-                </a:solidFill>
-              </a:rPr>
-              <a:t> </a:t>
-            </a:r>
-            <a:r>
-              <a:rPr lang="de-DE" dirty="0" err="1">
-                <a:solidFill>
-                  <a:schemeClr val="tx1"/>
-                </a:solidFill>
-              </a:rPr>
-              <a:t>para</a:t>
-            </a:r>
-            <a:r>
-              <a:rPr lang="de-DE" dirty="0">
-                <a:solidFill>
-                  <a:schemeClr val="tx1"/>
-                </a:solidFill>
-              </a:rPr>
-              <a:t> </a:t>
-            </a:r>
-            <a:r>
-              <a:rPr lang="de-DE" b="1" dirty="0" err="1">
-                <a:solidFill>
-                  <a:schemeClr val="tx1"/>
-                </a:solidFill>
-              </a:rPr>
-              <a:t>seguridad</a:t>
-            </a:r>
-            <a:r>
-              <a:rPr lang="de-DE" b="1" dirty="0">
-                <a:solidFill>
-                  <a:schemeClr val="tx1"/>
-                </a:solidFill>
-              </a:rPr>
-              <a:t>, </a:t>
-            </a:r>
-            <a:r>
-              <a:rPr lang="de-DE" b="1" dirty="0" err="1">
-                <a:solidFill>
-                  <a:schemeClr val="tx1"/>
-                </a:solidFill>
-              </a:rPr>
-              <a:t>velocidad</a:t>
-            </a:r>
-            <a:r>
-              <a:rPr lang="de-DE" b="1" dirty="0">
-                <a:solidFill>
-                  <a:schemeClr val="tx1"/>
-                </a:solidFill>
-              </a:rPr>
-              <a:t>, </a:t>
-            </a:r>
-            <a:r>
-              <a:rPr lang="de-DE" b="1" dirty="0" err="1">
-                <a:solidFill>
-                  <a:schemeClr val="tx1"/>
-                </a:solidFill>
-              </a:rPr>
-              <a:t>usabilidad</a:t>
-            </a:r>
-            <a:endParaRPr lang="de-DE" b="1" dirty="0">
-              <a:solidFill>
-                <a:schemeClr val="tx1"/>
-              </a:solidFill>
-            </a:endParaRPr>
-          </a:p>
-          <a:p>
-            <a:r>
-              <a:rPr lang="es-ES" dirty="0">
-                <a:solidFill>
-                  <a:schemeClr val="tx1"/>
-                </a:solidFill>
-              </a:rPr>
-              <a:t>Mejorar la interfaz de usuario</a:t>
-            </a:r>
-          </a:p>
-          <a:p>
-            <a:r>
-              <a:rPr lang="de-DE" dirty="0" err="1">
-                <a:solidFill>
-                  <a:schemeClr val="tx1"/>
-                </a:solidFill>
-              </a:rPr>
-              <a:t>Actualizar</a:t>
-            </a:r>
-            <a:r>
-              <a:rPr lang="de-DE" dirty="0">
-                <a:solidFill>
-                  <a:schemeClr val="tx1"/>
-                </a:solidFill>
-              </a:rPr>
-              <a:t> </a:t>
-            </a:r>
-            <a:r>
-              <a:rPr lang="de-DE" dirty="0" err="1">
-                <a:solidFill>
-                  <a:schemeClr val="tx1"/>
-                </a:solidFill>
-              </a:rPr>
-              <a:t>miembro</a:t>
-            </a:r>
-            <a:r>
-              <a:rPr lang="de-DE" dirty="0">
-                <a:solidFill>
-                  <a:schemeClr val="tx1"/>
-                </a:solidFill>
-              </a:rPr>
-              <a:t> del </a:t>
-            </a:r>
-            <a:r>
-              <a:rPr lang="de-DE" dirty="0" err="1">
-                <a:solidFill>
-                  <a:schemeClr val="tx1"/>
-                </a:solidFill>
-              </a:rPr>
-              <a:t>chat</a:t>
-            </a:r>
-            <a:r>
-              <a:rPr lang="de-DE" dirty="0">
-                <a:solidFill>
-                  <a:schemeClr val="tx1"/>
-                </a:solidFill>
-              </a:rPr>
-              <a:t> (</a:t>
-            </a:r>
-            <a:r>
-              <a:rPr lang="de-DE" dirty="0" err="1">
-                <a:solidFill>
-                  <a:schemeClr val="tx1"/>
-                </a:solidFill>
-              </a:rPr>
-              <a:t>para</a:t>
-            </a:r>
-            <a:r>
-              <a:rPr lang="de-DE" dirty="0">
-                <a:solidFill>
-                  <a:schemeClr val="tx1"/>
-                </a:solidFill>
-              </a:rPr>
-              <a:t> los </a:t>
-            </a:r>
-            <a:r>
-              <a:rPr lang="de-DE" dirty="0" err="1">
-                <a:solidFill>
-                  <a:schemeClr val="tx1"/>
-                </a:solidFill>
-              </a:rPr>
-              <a:t>estar</a:t>
-            </a:r>
-            <a:r>
-              <a:rPr lang="de-DE" dirty="0">
-                <a:solidFill>
-                  <a:schemeClr val="tx1"/>
-                </a:solidFill>
-              </a:rPr>
-              <a:t> en </a:t>
-            </a:r>
-            <a:r>
-              <a:rPr lang="de-DE" dirty="0" err="1">
-                <a:solidFill>
-                  <a:schemeClr val="tx1"/>
-                </a:solidFill>
-              </a:rPr>
-              <a:t>el</a:t>
-            </a:r>
-            <a:r>
-              <a:rPr lang="de-DE" dirty="0">
-                <a:solidFill>
-                  <a:schemeClr val="tx1"/>
-                </a:solidFill>
-              </a:rPr>
-              <a:t> </a:t>
-            </a:r>
-            <a:r>
-              <a:rPr lang="de-DE" dirty="0" err="1">
-                <a:solidFill>
-                  <a:schemeClr val="tx1"/>
-                </a:solidFill>
-              </a:rPr>
-              <a:t>grupo</a:t>
-            </a:r>
-            <a:r>
-              <a:rPr lang="de-DE" dirty="0">
-                <a:solidFill>
-                  <a:schemeClr val="tx1"/>
-                </a:solidFill>
-              </a:rPr>
-              <a:t>)</a:t>
-            </a:r>
-          </a:p>
-        </p:txBody>
-      </p:sp>
-    </p:spTree>
-    <p:extLst>
-      <p:ext uri="{BB962C8B-B14F-4D97-AF65-F5344CB8AC3E}">
-        <p14:creationId xmlns:p14="http://schemas.microsoft.com/office/powerpoint/2010/main" val="59583048"/>
-      </p:ext>
-    </p:extLst>
-  </p:cSld>
-  <p:clrMapOvr>
-    <a:masterClrMapping/>
-  </p:clrMapOvr>
-</p:sld>
-</file>
-
-<file path=ppt/slides/slide7.xml><?xml version="1.0" encoding="utf-8"?>
+<file path=ppt/slides/slide8.xml><?xml version="1.0" encoding="utf-8"?>
 <p:sld xmlns:a="http://schemas.openxmlformats.org/drawingml/2006/main" xmlns:r="http://schemas.openxmlformats.org/officeDocument/2006/relationships" xmlns:p="http://schemas.openxmlformats.org/presentationml/2006/main">
   <p:cSld>
     <p:spTree>
@@ -5916,7 +5076,7 @@
                 <a:latin typeface="Tahoma"/>
                 <a:cs typeface="Tahoma"/>
               </a:rPr>
-              <a:t>7</a:t>
+              <a:t>8</a:t>
             </a:fld>
             <a:endParaRPr sz="1200">
               <a:latin typeface="Tahoma"/>
@@ -5985,7 +5145,7 @@
 </p:sld>
 </file>
 
-<file path=ppt/slides/slide8.xml><?xml version="1.0" encoding="utf-8"?>
+<file path=ppt/slides/slide9.xml><?xml version="1.0" encoding="utf-8"?>
 <p:sld xmlns:a="http://schemas.openxmlformats.org/drawingml/2006/main" xmlns:r="http://schemas.openxmlformats.org/officeDocument/2006/relationships" xmlns:p="http://schemas.openxmlformats.org/presentationml/2006/main">
   <p:cSld>
     <p:spTree>
@@ -6105,7 +5265,7 @@
                 <a:latin typeface="Times New Roman" panose="02020603050405020304" pitchFamily="18" charset="0"/>
                 <a:cs typeface="Times New Roman" panose="02020603050405020304" pitchFamily="18" charset="0"/>
               </a:rPr>
-              <a:t>18/04/2022</a:t>
+              <a:t>30/06/2022</a:t>
             </a:r>
             <a:endParaRPr sz="2200" dirty="0">
               <a:latin typeface="Times New Roman" panose="02020603050405020304" pitchFamily="18" charset="0"/>
